--- a/aula15/Aula15.pptx
+++ b/aula15/Aula15.pptx
@@ -6913,6 +6913,29 @@
           <a:chExt cx="0" cy="0"/>
         </a:xfrm>
       </p:grpSpPr>
+      <p:pic>
+        <p:nvPicPr>
+          <p:cNvPr id="105" name="Imagem 27"/>
+          <p:cNvPicPr/>
+          <p:nvPr/>
+        </p:nvPicPr>
+        <p:blipFill>
+          <a:blip r:embed="rId2"/>
+          <a:stretch/>
+        </p:blipFill>
+        <p:spPr>
+          <a:xfrm rot="5400000">
+            <a:off x="7669440" y="801360"/>
+            <a:ext cx="2971440" cy="3195360"/>
+          </a:xfrm>
+          <a:prstGeom prst="rect">
+            <a:avLst/>
+          </a:prstGeom>
+          <a:ln w="0">
+            <a:noFill/>
+          </a:ln>
+        </p:spPr>
+      </p:pic>
       <p:sp>
         <p:nvSpPr>
           <p:cNvPr id="104" name="CaixaDeTexto 19"/>
@@ -6921,8 +6944,8 @@
         </p:nvSpPr>
         <p:spPr>
           <a:xfrm>
-            <a:off x="291960" y="1113480"/>
-            <a:ext cx="7086960" cy="2293661"/>
+            <a:off x="291959" y="1113480"/>
+            <a:ext cx="7448543" cy="4204954"/>
           </a:xfrm>
           <a:prstGeom prst="rect">
             <a:avLst/>
@@ -6945,7 +6968,7 @@
           <a:fontRef idx="minor"/>
         </p:style>
         <p:txBody>
-          <a:bodyPr lIns="90000" tIns="45000" rIns="90000" bIns="45000" anchor="t">
+          <a:bodyPr wrap="square" lIns="90000" tIns="45000" rIns="90000" bIns="45000" anchor="t">
             <a:spAutoFit/>
           </a:bodyPr>
           <a:lstStyle/>
@@ -6992,13 +7015,88 @@
               </a:rPr>
               <a:t>FormMaster</a:t>
             </a:r>
-            <a:endParaRPr lang="pt-BR" spc="-1" dirty="0">
-              <a:solidFill>
-                <a:srgbClr val="01498E"/>
-              </a:solidFill>
-              <a:latin typeface="Arial"/>
-              <a:ea typeface="Calibri"/>
-            </a:endParaRPr>
+            <a:r>
+              <a:rPr lang="pt-BR" spc="-1" dirty="0">
+                <a:solidFill>
+                  <a:srgbClr val="01498E"/>
+                </a:solidFill>
+                <a:latin typeface="Arial"/>
+                <a:ea typeface="Calibri"/>
+              </a:rPr>
+              <a:t> (</a:t>
+            </a:r>
+            <a:r>
+              <a:rPr lang="pt-BR" spc="-1" dirty="0" err="1">
+                <a:solidFill>
+                  <a:srgbClr val="01498E"/>
+                </a:solidFill>
+                <a:latin typeface="Arial"/>
+                <a:ea typeface="Calibri"/>
+              </a:rPr>
+              <a:t>A.Faria</a:t>
+            </a:r>
+            <a:r>
+              <a:rPr lang="pt-BR" spc="-1" dirty="0">
+                <a:solidFill>
+                  <a:srgbClr val="01498E"/>
+                </a:solidFill>
+                <a:latin typeface="Arial"/>
+                <a:ea typeface="Calibri"/>
+              </a:rPr>
+              <a:t>, </a:t>
+            </a:r>
+            <a:r>
+              <a:rPr lang="pt-BR" spc="-1" dirty="0" err="1">
+                <a:solidFill>
+                  <a:srgbClr val="01498E"/>
+                </a:solidFill>
+                <a:latin typeface="Arial"/>
+                <a:ea typeface="Calibri"/>
+              </a:rPr>
+              <a:t>A.Souza</a:t>
+            </a:r>
+            <a:r>
+              <a:rPr lang="pt-BR" spc="-1" dirty="0">
+                <a:solidFill>
+                  <a:srgbClr val="01498E"/>
+                </a:solidFill>
+                <a:latin typeface="Arial"/>
+                <a:ea typeface="Calibri"/>
+              </a:rPr>
+              <a:t>, Gustavo, Vagner)</a:t>
+            </a:r>
+          </a:p>
+          <a:p>
+            <a:pPr marL="1130400" lvl="2" indent="-216000" algn="just">
+              <a:lnSpc>
+                <a:spcPct val="115000"/>
+              </a:lnSpc>
+              <a:buClr>
+                <a:srgbClr val="000000"/>
+              </a:buClr>
+              <a:buFont typeface="Arial"/>
+              <a:buChar char="●"/>
+            </a:pPr>
+            <a:r>
+              <a:rPr lang="pt-BR" spc="-1">
+                <a:solidFill>
+                  <a:srgbClr val="01498E"/>
+                </a:solidFill>
+                <a:latin typeface="Arial"/>
+                <a:ea typeface="Calibri"/>
+              </a:rPr>
+              <a:t>Remanda RH </a:t>
+            </a:r>
+            <a:r>
+              <a:rPr lang="pt-BR" spc="-1" dirty="0">
+                <a:solidFill>
+                  <a:srgbClr val="01498E"/>
+                </a:solidFill>
+                <a:latin typeface="Arial"/>
+                <a:ea typeface="Calibri"/>
+              </a:rPr>
+              <a:t>/ Redução retrabalho / Controle / Escalabilidade</a:t>
+            </a:r>
           </a:p>
           <a:p>
             <a:pPr marL="673200" lvl="1" indent="-216000" algn="just">
@@ -7021,25 +7119,6 @@
               </a:rPr>
               <a:t>ReuniON</a:t>
             </a:r>
-            <a:endParaRPr lang="pt-BR" spc="-1" dirty="0">
-              <a:solidFill>
-                <a:srgbClr val="01498E"/>
-              </a:solidFill>
-              <a:latin typeface="Arial"/>
-              <a:ea typeface="Calibri"/>
-            </a:endParaRPr>
-          </a:p>
-          <a:p>
-            <a:pPr marL="673200" lvl="1" indent="-216000" algn="just">
-              <a:lnSpc>
-                <a:spcPct val="115000"/>
-              </a:lnSpc>
-              <a:buClr>
-                <a:srgbClr val="000000"/>
-              </a:buClr>
-              <a:buFont typeface="Arial"/>
-              <a:buChar char="●"/>
-            </a:pPr>
             <a:r>
               <a:rPr lang="pt-BR" spc="-1" dirty="0">
                 <a:solidFill>
@@ -7048,7 +7127,29 @@
                 <a:latin typeface="Arial"/>
                 <a:ea typeface="Calibri"/>
               </a:rPr>
-              <a:t>RPG Center</a:t>
+              <a:t> (Juan, Gabriel)</a:t>
+            </a:r>
+          </a:p>
+          <a:p>
+            <a:pPr marL="1130400" lvl="2" indent="-216000" algn="just">
+              <a:lnSpc>
+                <a:spcPct val="115000"/>
+              </a:lnSpc>
+              <a:buClr>
+                <a:srgbClr val="000000"/>
+              </a:buClr>
+              <a:buFont typeface="Arial"/>
+              <a:buChar char="●"/>
+            </a:pPr>
+            <a:r>
+              <a:rPr lang="pt-BR" spc="-1" dirty="0">
+                <a:solidFill>
+                  <a:srgbClr val="01498E"/>
+                </a:solidFill>
+                <a:latin typeface="Arial"/>
+                <a:ea typeface="Calibri"/>
+              </a:rPr>
+              <a:t>Reuniões / Eventos / Compromissos / Agenda</a:t>
             </a:r>
           </a:p>
           <a:p>
@@ -7062,6 +7163,69 @@
               <a:buFont typeface="Arial"/>
               <a:buChar char="●"/>
             </a:pPr>
+            <a:r>
+              <a:rPr lang="pt-BR" spc="-1" dirty="0">
+                <a:solidFill>
+                  <a:srgbClr val="01498E"/>
+                </a:solidFill>
+                <a:latin typeface="Arial"/>
+                <a:ea typeface="Calibri"/>
+              </a:rPr>
+              <a:t>RPG Center(Victor, Romulo, Alexandre)</a:t>
+            </a:r>
+          </a:p>
+          <a:p>
+            <a:pPr marL="1130400" lvl="2" indent="-216000" algn="just">
+              <a:lnSpc>
+                <a:spcPct val="115000"/>
+              </a:lnSpc>
+              <a:buClr>
+                <a:srgbClr val="000000"/>
+              </a:buClr>
+              <a:buFont typeface="Arial"/>
+              <a:buChar char="●"/>
+            </a:pPr>
+            <a:r>
+              <a:rPr lang="pt-BR" spc="-1" dirty="0">
+                <a:solidFill>
+                  <a:srgbClr val="01498E"/>
+                </a:solidFill>
+                <a:latin typeface="Arial"/>
+                <a:ea typeface="Calibri"/>
+              </a:rPr>
+              <a:t>Solução para Jogos de Mesa RPG / Salvamento partida para c. posterior / Simplicidade</a:t>
+            </a:r>
+          </a:p>
+          <a:p>
+            <a:pPr marL="1130400" lvl="2" indent="-216000" algn="just">
+              <a:lnSpc>
+                <a:spcPct val="115000"/>
+              </a:lnSpc>
+              <a:buClr>
+                <a:srgbClr val="000000"/>
+              </a:buClr>
+              <a:buFont typeface="Arial"/>
+              <a:buChar char="●"/>
+            </a:pPr>
+            <a:endParaRPr lang="pt-BR" spc="-1" dirty="0">
+              <a:solidFill>
+                <a:srgbClr val="01498E"/>
+              </a:solidFill>
+              <a:latin typeface="Arial"/>
+              <a:ea typeface="Calibri"/>
+            </a:endParaRPr>
+          </a:p>
+          <a:p>
+            <a:pPr marL="673200" lvl="1" indent="-216000" algn="just">
+              <a:lnSpc>
+                <a:spcPct val="115000"/>
+              </a:lnSpc>
+              <a:buClr>
+                <a:srgbClr val="000000"/>
+              </a:buClr>
+              <a:buFont typeface="Arial"/>
+              <a:buChar char="●"/>
+            </a:pPr>
             <a:endParaRPr lang="pt-BR" b="0" strike="noStrike" spc="-1" dirty="0">
               <a:solidFill>
                 <a:srgbClr val="000000"/>
@@ -7097,29 +7261,6 @@
           </a:p>
         </p:txBody>
       </p:sp>
-      <p:pic>
-        <p:nvPicPr>
-          <p:cNvPr id="105" name="Imagem 27"/>
-          <p:cNvPicPr/>
-          <p:nvPr/>
-        </p:nvPicPr>
-        <p:blipFill>
-          <a:blip r:embed="rId2"/>
-          <a:stretch/>
-        </p:blipFill>
-        <p:spPr>
-          <a:xfrm rot="5400000">
-            <a:off x="7669440" y="801360"/>
-            <a:ext cx="2971440" cy="3195360"/>
-          </a:xfrm>
-          <a:prstGeom prst="rect">
-            <a:avLst/>
-          </a:prstGeom>
-          <a:ln w="0">
-            <a:noFill/>
-          </a:ln>
-        </p:spPr>
-      </p:pic>
       <p:sp>
         <p:nvSpPr>
           <p:cNvPr id="106" name="Título 21"/>

--- a/aula15/Aula15.pptx
+++ b/aula15/Aula15.pptx
@@ -7078,16 +7078,6 @@
               <a:buChar char="●"/>
             </a:pPr>
             <a:r>
-              <a:rPr lang="pt-BR" spc="-1">
-                <a:solidFill>
-                  <a:srgbClr val="01498E"/>
-                </a:solidFill>
-                <a:latin typeface="Arial"/>
-                <a:ea typeface="Calibri"/>
-              </a:rPr>
-              <a:t>Remanda RH </a:t>
-            </a:r>
-            <a:r>
               <a:rPr lang="pt-BR" spc="-1" dirty="0">
                 <a:solidFill>
                   <a:srgbClr val="01498E"/>
@@ -7095,7 +7085,7 @@
                 <a:latin typeface="Arial"/>
                 <a:ea typeface="Calibri"/>
               </a:rPr>
-              <a:t>/ Redução retrabalho / Controle / Escalabilidade</a:t>
+              <a:t>Demanda RH / Redução retrabalho / Controle / Escalabilidade</a:t>
             </a:r>
           </a:p>
           <a:p>
@@ -7193,7 +7183,7 @@
                 <a:latin typeface="Arial"/>
                 <a:ea typeface="Calibri"/>
               </a:rPr>
-              <a:t>Solução para Jogos de Mesa RPG / Salvamento partida para c. posterior / Simplicidade</a:t>
+              <a:t>Solução para Jogos de Mesa RPG / Salvamento partida para c. posterior / Simplicidade / Rolar dado</a:t>
             </a:r>
           </a:p>
           <a:p>
@@ -7319,6 +7309,93 @@
               </a:solidFill>
               <a:latin typeface="Arial"/>
             </a:endParaRPr>
+          </a:p>
+        </p:txBody>
+      </p:sp>
+      <p:sp>
+        <p:nvSpPr>
+          <p:cNvPr id="2" name="CaixaDeTexto 1">
+            <a:extLst>
+              <a:ext uri="{FF2B5EF4-FFF2-40B4-BE49-F238E27FC236}">
+                <a16:creationId xmlns:a16="http://schemas.microsoft.com/office/drawing/2014/main" id="{F85097F7-7D1A-05C0-6A7E-24F22C518161}"/>
+              </a:ext>
+            </a:extLst>
+          </p:cNvPr>
+          <p:cNvSpPr txBox="1"/>
+          <p:nvPr/>
+        </p:nvSpPr>
+        <p:spPr>
+          <a:xfrm>
+            <a:off x="442057" y="4139932"/>
+            <a:ext cx="7850324" cy="923330"/>
+          </a:xfrm>
+          <a:prstGeom prst="rect">
+            <a:avLst/>
+          </a:prstGeom>
+          <a:noFill/>
+        </p:spPr>
+        <p:txBody>
+          <a:bodyPr wrap="square" rtlCol="0">
+            <a:spAutoFit/>
+          </a:bodyPr>
+          <a:lstStyle/>
+          <a:p>
+            <a:r>
+              <a:rPr lang="pt-BR" dirty="0">
+                <a:solidFill>
+                  <a:srgbClr val="FF0000"/>
+                </a:solidFill>
+              </a:rPr>
+              <a:t>Quem quiser colaborar diretamente no </a:t>
+            </a:r>
+            <a:r>
+              <a:rPr lang="pt-BR" dirty="0" err="1">
+                <a:solidFill>
+                  <a:srgbClr val="FF0000"/>
+                </a:solidFill>
+              </a:rPr>
+              <a:t>repo</a:t>
+            </a:r>
+            <a:r>
+              <a:rPr lang="pt-BR" dirty="0">
+                <a:solidFill>
+                  <a:srgbClr val="FF0000"/>
+                </a:solidFill>
+              </a:rPr>
+              <a:t> da sala, foi liberado </a:t>
+            </a:r>
+            <a:r>
+              <a:rPr lang="pt-BR" dirty="0" err="1">
+                <a:solidFill>
+                  <a:srgbClr val="FF0000"/>
+                </a:solidFill>
+              </a:rPr>
+              <a:t>commit</a:t>
+            </a:r>
+            <a:r>
+              <a:rPr lang="pt-BR" dirty="0">
+                <a:solidFill>
+                  <a:srgbClr val="FF0000"/>
+                </a:solidFill>
+              </a:rPr>
+              <a:t> para todos, atenção para criar um diretório para o grupo e </a:t>
+            </a:r>
+            <a:r>
+              <a:rPr lang="pt-BR" dirty="0" err="1">
+                <a:solidFill>
+                  <a:srgbClr val="FF0000"/>
+                </a:solidFill>
+              </a:rPr>
+              <a:t>commitar</a:t>
+            </a:r>
+            <a:r>
+              <a:rPr lang="pt-BR" dirty="0">
+                <a:solidFill>
+                  <a:srgbClr val="FF0000"/>
+                </a:solidFill>
+              </a:rPr>
+              <a:t> modificações somente na pasta entregas</a:t>
+            </a:r>
           </a:p>
         </p:txBody>
       </p:sp>
